--- a/TechGear/TechGearStudentTemplate.pptx
+++ b/TechGear/TechGearStudentTemplate.pptx
@@ -215,7 +215,7 @@
           <a:p>
             <a:fld id="{12F0ACAD-2FDF-44D8-85A2-BF2803DE170C}" type="datetimeFigureOut">
               <a:rPr lang="en-US" smtClean="0"/>
-              <a:t>11/9/2025</a:t>
+              <a:t>11/10/2025</a:t>
             </a:fld>
             <a:endParaRPr lang="en-US"/>
           </a:p>
@@ -1206,217 +1206,99 @@
           <a:bodyPr/>
           <a:lstStyle/>
           <a:p>
-            <a:pPr marL="0" indent="0" algn="l" rtl="0" fontAlgn="base">
+            <a:pPr marL="0" marR="0" lvl="0" indent="0" algn="l" defTabSz="914400" rtl="0" eaLnBrk="1" fontAlgn="auto" latinLnBrk="0" hangingPunct="1">
               <a:lnSpc>
                 <a:spcPct val="100000"/>
               </a:lnSpc>
+              <a:spcBef>
+                <a:spcPts val="0"/>
+              </a:spcBef>
+              <a:spcAft>
+                <a:spcPts val="0"/>
+              </a:spcAft>
+              <a:buClrTx/>
+              <a:buSzTx/>
+              <a:buFontTx/>
               <a:buNone/>
+              <a:tabLst/>
+              <a:defRPr/>
             </a:pPr>
             <a:r>
-              <a:rPr lang="en-US" b="1" i="0" dirty="0">
-                <a:solidFill>
-                  <a:srgbClr val="000000"/>
-                </a:solidFill>
-                <a:effectLst/>
-                <a:latin typeface="Arial"/>
-                <a:cs typeface="Arial"/>
-              </a:rPr>
-              <a:t>Analysis Task:</a:t>
-            </a:r>
-            <a:r>
-              <a:rPr lang="en-US" b="0" i="0" dirty="0">
-                <a:solidFill>
-                  <a:srgbClr val="000000"/>
-                </a:solidFill>
-                <a:effectLst/>
-                <a:latin typeface="Arial"/>
-                <a:cs typeface="Arial"/>
-              </a:rPr>
-              <a:t> </a:t>
-            </a:r>
-            <a:endParaRPr lang="en-US" dirty="0"/>
-          </a:p>
-          <a:p>
-            <a:pPr marL="493395" lvl="1" algn="l" rtl="0" fontAlgn="base">
+              <a:rPr lang="en-US" dirty="0"/>
+              <a:t>Now, we will run a regression analysis to find a simple linear regression that we can use to examine the relationship between two variables: Facebook ad spend and Sales. </a:t>
+            </a:r>
+            <a:r>
+              <a:rPr lang="en-US" sz="1200" b="0" i="0" kern="1200" dirty="0">
+                <a:solidFill>
+                  <a:schemeClr val="tx1"/>
+                </a:solidFill>
+                <a:effectLst/>
+                <a:latin typeface="+mn-lt"/>
+                <a:ea typeface="+mn-ea"/>
+                <a:cs typeface="+mn-cs"/>
+              </a:rPr>
+              <a:t>A Simple Linear Regression</a:t>
+            </a:r>
+            <a:r>
+              <a:rPr lang="en-US" dirty="0"/>
+              <a:t> y = 1,141.28 + 12.86 * x, where x is independent variable, which in our case is the Facebook ad spend; y is dependent variable, which in our case is predicted number of sales; 1,141.28 is the y-intercept and 12.86 is the slope in this statistical model. We can use the model to predict the number of s</a:t>
+            </a:r>
+            <a:r>
+              <a:rPr lang="en-US" sz="1200" b="0" i="0" kern="1200" dirty="0">
+                <a:solidFill>
+                  <a:schemeClr val="tx1"/>
+                </a:solidFill>
+                <a:effectLst/>
+                <a:latin typeface="+mn-lt"/>
+                <a:ea typeface="+mn-ea"/>
+                <a:cs typeface="+mn-cs"/>
+              </a:rPr>
+              <a:t>ales after a particular Facebook ad spend in a month. For example, if the company spends $300 per month on Facebook ads, the predicted number of sales would be y = </a:t>
+            </a:r>
+            <a:r>
+              <a:rPr lang="en-US" dirty="0"/>
+              <a:t>1,141.28 + 12.86 *</a:t>
+            </a:r>
+            <a:r>
+              <a:rPr lang="en-US" sz="1200" b="0" i="0" kern="1200" dirty="0">
+                <a:solidFill>
+                  <a:schemeClr val="tx1"/>
+                </a:solidFill>
+                <a:effectLst/>
+                <a:latin typeface="+mn-lt"/>
+                <a:ea typeface="+mn-ea"/>
+                <a:cs typeface="+mn-cs"/>
+              </a:rPr>
+              <a:t> 300 = 4,999. Overall, Facebook advertising spending is beneficial for the business</a:t>
+            </a:r>
+            <a:r>
+              <a:rPr lang="en-US" sz="1200" dirty="0">
+                <a:latin typeface="Calibri"/>
+                <a:ea typeface="Calibri"/>
+                <a:cs typeface="Calibri"/>
+              </a:rPr>
+              <a:t>. However, if we look at the coefficient of determination (R-squared) value, which measured the proportion of variance in the response variable explained by the explanatory variable, R-squared = 0.451. This suggests that the model provides a useful, moderate explanation of the variability in the data, but there is a still a large portion of variation that the current predictors do not capture.</a:t>
+            </a:r>
+          </a:p>
+          <a:p>
+            <a:pPr marL="0" marR="0" lvl="0" indent="0" algn="l" defTabSz="914400" rtl="0" eaLnBrk="1" fontAlgn="auto" latinLnBrk="0" hangingPunct="1">
               <a:lnSpc>
                 <a:spcPct val="100000"/>
               </a:lnSpc>
+              <a:spcBef>
+                <a:spcPts val="0"/>
+              </a:spcBef>
+              <a:spcAft>
+                <a:spcPts val="0"/>
+              </a:spcAft>
+              <a:buClrTx/>
+              <a:buSzTx/>
+              <a:buFontTx/>
+              <a:buNone/>
+              <a:tabLst/>
+              <a:defRPr/>
             </a:pPr>
-            <a:r>
-              <a:rPr lang="en-US" sz="2000" b="0" i="0" dirty="0">
-                <a:solidFill>
-                  <a:srgbClr val="000000"/>
-                </a:solidFill>
-                <a:effectLst/>
-                <a:latin typeface="Arial"/>
-                <a:cs typeface="Arial"/>
-              </a:rPr>
-              <a:t>Develop a simple linear regression model to predict sales based on Facebook ad spend. </a:t>
-            </a:r>
-          </a:p>
-          <a:p>
-            <a:pPr marL="493395" lvl="1" algn="l" rtl="0" fontAlgn="base">
-              <a:lnSpc>
-                <a:spcPct val="100000"/>
-              </a:lnSpc>
-            </a:pPr>
-            <a:r>
-              <a:rPr lang="en-US" sz="2000" b="0" i="0" dirty="0">
-                <a:solidFill>
-                  <a:srgbClr val="000000"/>
-                </a:solidFill>
-                <a:effectLst/>
-                <a:latin typeface="Arial"/>
-                <a:cs typeface="Arial"/>
-              </a:rPr>
-              <a:t>Interpret the slope and R-squared value. </a:t>
-            </a:r>
-          </a:p>
-          <a:p>
-            <a:pPr marL="0" indent="0" algn="l" rtl="0" fontAlgn="base">
-              <a:lnSpc>
-                <a:spcPct val="100000"/>
-              </a:lnSpc>
-              <a:buNone/>
-            </a:pPr>
-            <a:r>
-              <a:rPr lang="en-US" b="1" i="0" dirty="0">
-                <a:solidFill>
-                  <a:srgbClr val="000000"/>
-                </a:solidFill>
-                <a:effectLst/>
-                <a:latin typeface="Arial"/>
-                <a:cs typeface="Arial"/>
-              </a:rPr>
-              <a:t>Slide Content:</a:t>
-            </a:r>
-            <a:r>
-              <a:rPr lang="en-US" b="0" i="0" dirty="0">
-                <a:solidFill>
-                  <a:srgbClr val="000000"/>
-                </a:solidFill>
-                <a:effectLst/>
-                <a:latin typeface="Arial"/>
-                <a:cs typeface="Arial"/>
-              </a:rPr>
-              <a:t> </a:t>
-            </a:r>
-            <a:endParaRPr lang="en-US" dirty="0">
-              <a:solidFill>
-                <a:srgbClr val="000000"/>
-              </a:solidFill>
-              <a:latin typeface="Arial"/>
-              <a:cs typeface="Arial"/>
-            </a:endParaRPr>
-          </a:p>
-          <a:p>
-            <a:pPr marL="493395" lvl="1" algn="l" rtl="0" fontAlgn="base">
-              <a:lnSpc>
-                <a:spcPct val="100000"/>
-              </a:lnSpc>
-            </a:pPr>
-            <a:r>
-              <a:rPr lang="en-US" sz="2000" b="0" i="0" dirty="0">
-                <a:solidFill>
-                  <a:srgbClr val="000000"/>
-                </a:solidFill>
-                <a:effectLst/>
-                <a:latin typeface="Arial"/>
-                <a:cs typeface="Arial"/>
-              </a:rPr>
-              <a:t>Regression output from Python. </a:t>
-            </a:r>
-          </a:p>
-          <a:p>
-            <a:pPr marL="493395" lvl="1" algn="l" rtl="0" fontAlgn="base">
-              <a:lnSpc>
-                <a:spcPct val="100000"/>
-              </a:lnSpc>
-            </a:pPr>
-            <a:r>
-              <a:rPr lang="en-US" sz="2000" b="0" i="0" dirty="0">
-                <a:solidFill>
-                  <a:srgbClr val="000000"/>
-                </a:solidFill>
-                <a:effectLst/>
-                <a:latin typeface="Arial"/>
-                <a:cs typeface="Arial"/>
-              </a:rPr>
-              <a:t>Summary of your interpretation of the model’s coefficients and R-squared value. </a:t>
-            </a:r>
-          </a:p>
-          <a:p>
-            <a:pPr marL="0" indent="0" algn="l" rtl="0" fontAlgn="base">
-              <a:lnSpc>
-                <a:spcPct val="100000"/>
-              </a:lnSpc>
-              <a:buNone/>
-            </a:pPr>
-            <a:r>
-              <a:rPr lang="en-US" b="1" i="0" dirty="0">
-                <a:solidFill>
-                  <a:srgbClr val="000000"/>
-                </a:solidFill>
-                <a:effectLst/>
-                <a:latin typeface="Arial"/>
-                <a:cs typeface="Arial"/>
-              </a:rPr>
-              <a:t>Speaker Notes:</a:t>
-            </a:r>
-            <a:r>
-              <a:rPr lang="en-US" b="0" i="0" dirty="0">
-                <a:solidFill>
-                  <a:srgbClr val="000000"/>
-                </a:solidFill>
-                <a:effectLst/>
-                <a:latin typeface="Arial"/>
-                <a:cs typeface="Arial"/>
-              </a:rPr>
-              <a:t> </a:t>
-            </a:r>
-            <a:endParaRPr lang="en-US" dirty="0">
-              <a:solidFill>
-                <a:srgbClr val="000000"/>
-              </a:solidFill>
-              <a:latin typeface="Arial"/>
-              <a:cs typeface="Arial"/>
-            </a:endParaRPr>
-          </a:p>
-          <a:p>
-            <a:pPr marL="493395" lvl="1" algn="l" rtl="0" fontAlgn="base">
-              <a:lnSpc>
-                <a:spcPct val="100000"/>
-              </a:lnSpc>
-            </a:pPr>
-            <a:r>
-              <a:rPr lang="en-US" sz="2000" b="0" i="0" dirty="0">
-                <a:solidFill>
-                  <a:srgbClr val="000000"/>
-                </a:solidFill>
-                <a:effectLst/>
-                <a:latin typeface="Arial"/>
-                <a:cs typeface="Arial"/>
-              </a:rPr>
-              <a:t>Explain what the slope indicates about the relationship between Facebook ad spend and sales. </a:t>
-            </a:r>
-          </a:p>
-          <a:p>
-            <a:pPr marL="493395" lvl="1" algn="l" rtl="0" fontAlgn="base">
-              <a:lnSpc>
-                <a:spcPct val="100000"/>
-              </a:lnSpc>
-            </a:pPr>
-            <a:r>
-              <a:rPr lang="en-US" sz="2000" b="0" i="0" dirty="0">
-                <a:solidFill>
-                  <a:srgbClr val="000000"/>
-                </a:solidFill>
-                <a:effectLst/>
-                <a:latin typeface="Arial"/>
-                <a:cs typeface="Arial"/>
-              </a:rPr>
-              <a:t>Discuss the R-squared value and what it tells you about the model’s fit.</a:t>
-            </a:r>
+            <a:endParaRPr lang="en-US" dirty="0"/>
           </a:p>
           <a:p>
             <a:endParaRPr lang="en-US" dirty="0"/>
@@ -3530,7 +3412,7 @@
           <a:p>
             <a:fld id="{6444479B-705B-4489-957E-7E8A228BDFA0}" type="datetime1">
               <a:rPr lang="en-US" smtClean="0"/>
-              <a:t>11/9/2025</a:t>
+              <a:t>11/10/2025</a:t>
             </a:fld>
             <a:endParaRPr lang="en-US"/>
           </a:p>
@@ -3730,7 +3612,7 @@
           <a:p>
             <a:fld id="{C07B66AD-7C08-490A-ADA4-B47E10FB2407}" type="datetime1">
               <a:rPr lang="en-US" smtClean="0"/>
-              <a:t>11/9/2025</a:t>
+              <a:t>11/10/2025</a:t>
             </a:fld>
             <a:endParaRPr lang="en-US"/>
           </a:p>
@@ -3989,7 +3871,7 @@
           <a:p>
             <a:fld id="{05B95027-4255-49E7-9841-CD21BCC99996}" type="datetime1">
               <a:rPr lang="en-US" smtClean="0"/>
-              <a:t>11/9/2025</a:t>
+              <a:t>11/10/2025</a:t>
             </a:fld>
             <a:endParaRPr lang="en-US"/>
           </a:p>
@@ -4230,7 +4112,7 @@
           <a:p>
             <a:fld id="{9F89F774-3FA6-43B8-9241-99959C8FD463}" type="datetime1">
               <a:rPr lang="en-US" smtClean="0"/>
-              <a:t>11/9/2025</a:t>
+              <a:t>11/10/2025</a:t>
             </a:fld>
             <a:endParaRPr lang="en-US"/>
           </a:p>
@@ -4557,7 +4439,7 @@
           <a:p>
             <a:fld id="{F9504452-5DCC-4FE2-A5C9-8A5EF6714D65}" type="datetime1">
               <a:rPr lang="en-US" smtClean="0"/>
-              <a:t>11/9/2025</a:t>
+              <a:t>11/10/2025</a:t>
             </a:fld>
             <a:endParaRPr lang="en-US"/>
           </a:p>
@@ -4867,7 +4749,7 @@
           <a:p>
             <a:fld id="{E579ABC2-0180-4F3A-A895-A85BC724D472}" type="datetime1">
               <a:rPr lang="en-US" smtClean="0"/>
-              <a:t>11/9/2025</a:t>
+              <a:t>11/10/2025</a:t>
             </a:fld>
             <a:endParaRPr lang="en-US"/>
           </a:p>
@@ -5285,7 +5167,7 @@
           <a:p>
             <a:fld id="{6AEEA9BA-4E8F-439E-BEA4-91FBA01E3F5F}" type="datetime1">
               <a:rPr lang="en-US" smtClean="0"/>
-              <a:t>11/9/2025</a:t>
+              <a:t>11/10/2025</a:t>
             </a:fld>
             <a:endParaRPr lang="en-US"/>
           </a:p>
@@ -5427,7 +5309,7 @@
           <a:p>
             <a:fld id="{BE15BF18-0007-481C-AA29-413124BC3EE7}" type="datetime1">
               <a:rPr lang="en-US" smtClean="0"/>
-              <a:t>11/9/2025</a:t>
+              <a:t>11/10/2025</a:t>
             </a:fld>
             <a:endParaRPr lang="en-US"/>
           </a:p>
@@ -5589,7 +5471,7 @@
           <a:p>
             <a:fld id="{09BE9870-3748-43AD-B547-02A075CB4A1D}" type="datetime1">
               <a:rPr lang="en-US" smtClean="0"/>
-              <a:t>11/9/2025</a:t>
+              <a:t>11/10/2025</a:t>
             </a:fld>
             <a:endParaRPr lang="en-US"/>
           </a:p>
@@ -5906,7 +5788,7 @@
           <a:p>
             <a:fld id="{558E7897-33C5-4F1A-9307-D068E37F3DC7}" type="datetime1">
               <a:rPr lang="en-US" smtClean="0"/>
-              <a:t>11/9/2025</a:t>
+              <a:t>11/10/2025</a:t>
             </a:fld>
             <a:endParaRPr lang="en-US"/>
           </a:p>
@@ -6201,7 +6083,7 @@
           <a:p>
             <a:fld id="{82E171BA-CC09-47C8-A6DF-F5C5CB59CEEC}" type="datetime1">
               <a:rPr lang="en-US" smtClean="0"/>
-              <a:t>11/9/2025</a:t>
+              <a:t>11/10/2025</a:t>
             </a:fld>
             <a:endParaRPr lang="en-US"/>
           </a:p>
@@ -6442,7 +6324,7 @@
           <a:p>
             <a:fld id="{7DA38F49-B3E2-4BF0-BEC7-C30D34ABBB8D}" type="datetime1">
               <a:rPr lang="en-US" smtClean="0"/>
-              <a:t>11/9/2025</a:t>
+              <a:t>11/10/2025</a:t>
             </a:fld>
             <a:endParaRPr lang="en-US"/>
           </a:p>
@@ -7867,10 +7749,10 @@
       </p:sp>
       <p:pic>
         <p:nvPicPr>
-          <p:cNvPr id="11" name="Picture 10">
+          <p:cNvPr id="4" name="Picture 3">
             <a:extLst>
               <a:ext uri="{FF2B5EF4-FFF2-40B4-BE49-F238E27FC236}">
-                <a16:creationId xmlns:a16="http://schemas.microsoft.com/office/drawing/2014/main" id="{65253D5F-619F-5737-A710-559F400B7FF0}"/>
+                <a16:creationId xmlns:a16="http://schemas.microsoft.com/office/drawing/2014/main" id="{BF4E099B-9EE3-9684-BF37-EA70EF09316C}"/>
               </a:ext>
             </a:extLst>
           </p:cNvPr>
@@ -7887,8 +7769,8 @@
         </p:blipFill>
         <p:spPr>
           <a:xfrm>
-            <a:off x="197982" y="1717010"/>
-            <a:ext cx="3848579" cy="3029161"/>
+            <a:off x="156054" y="1350087"/>
+            <a:ext cx="3948113" cy="3148844"/>
           </a:xfrm>
           <a:prstGeom prst="rect">
             <a:avLst/>
@@ -7897,10 +7779,10 @@
       </p:pic>
       <p:pic>
         <p:nvPicPr>
-          <p:cNvPr id="13" name="Picture 12">
+          <p:cNvPr id="6" name="Picture 5">
             <a:extLst>
               <a:ext uri="{FF2B5EF4-FFF2-40B4-BE49-F238E27FC236}">
-                <a16:creationId xmlns:a16="http://schemas.microsoft.com/office/drawing/2014/main" id="{4F251E3D-BDBE-408E-AAD9-4EB5DD3FF64E}"/>
+                <a16:creationId xmlns:a16="http://schemas.microsoft.com/office/drawing/2014/main" id="{C5F5CB21-5082-015C-188D-BFEFC7FB7324}"/>
               </a:ext>
             </a:extLst>
           </p:cNvPr>
@@ -7917,8 +7799,8 @@
         </p:blipFill>
         <p:spPr>
           <a:xfrm>
-            <a:off x="4172463" y="1717009"/>
-            <a:ext cx="3907663" cy="3042298"/>
+            <a:off x="4141403" y="1350087"/>
+            <a:ext cx="3986229" cy="3148844"/>
           </a:xfrm>
           <a:prstGeom prst="rect">
             <a:avLst/>
@@ -7927,10 +7809,10 @@
       </p:pic>
       <p:pic>
         <p:nvPicPr>
-          <p:cNvPr id="15" name="Picture 14">
+          <p:cNvPr id="8" name="Picture 7">
             <a:extLst>
               <a:ext uri="{FF2B5EF4-FFF2-40B4-BE49-F238E27FC236}">
-                <a16:creationId xmlns:a16="http://schemas.microsoft.com/office/drawing/2014/main" id="{49AF35C2-8BE8-AA15-4260-118FB6D24114}"/>
+                <a16:creationId xmlns:a16="http://schemas.microsoft.com/office/drawing/2014/main" id="{4502AF92-76FB-70F1-003B-3200A05115E9}"/>
               </a:ext>
             </a:extLst>
           </p:cNvPr>
@@ -7947,8 +7829,8 @@
         </p:blipFill>
         <p:spPr>
           <a:xfrm>
-            <a:off x="8117776" y="1717009"/>
-            <a:ext cx="3876242" cy="3029161"/>
+            <a:off x="8127632" y="1350088"/>
+            <a:ext cx="4030518" cy="3148843"/>
           </a:xfrm>
           <a:prstGeom prst="rect">
             <a:avLst/>
@@ -8059,8 +7941,8 @@
         </p:blipFill>
         <p:spPr>
           <a:xfrm>
-            <a:off x="5682073" y="1039091"/>
-            <a:ext cx="6302109" cy="3947814"/>
+            <a:off x="5346219" y="1039091"/>
+            <a:ext cx="6637963" cy="4158202"/>
           </a:xfrm>
           <a:prstGeom prst="rect">
             <a:avLst/>
@@ -8082,7 +7964,7 @@
         <p:spPr>
           <a:xfrm>
             <a:off x="454170" y="1350086"/>
-            <a:ext cx="4969885" cy="2585323"/>
+            <a:ext cx="4969885" cy="4216539"/>
           </a:xfrm>
           <a:prstGeom prst="rect">
             <a:avLst/>
@@ -8096,45 +7978,36 @@
           <a:lstStyle/>
           <a:p>
             <a:r>
-              <a:rPr lang="en-US" b="1" dirty="0">
+              <a:rPr lang="en-US" sz="3200" b="1" u="sng" dirty="0">
                 <a:latin typeface="Calibri"/>
                 <a:cs typeface="Calibri"/>
               </a:rPr>
-              <a:t>Simple Linear Regression:</a:t>
-            </a:r>
-          </a:p>
-          <a:p>
-            <a:r>
-              <a:rPr lang="en-US" b="1" u="sng" dirty="0">
+              <a:t>y = 1141.28 + 12.86 * x</a:t>
+            </a:r>
+            <a:r>
+              <a:rPr lang="en-US" sz="3200" b="1" dirty="0">
                 <a:latin typeface="Calibri"/>
                 <a:cs typeface="Calibri"/>
               </a:rPr>
-              <a:t>y = 1141.28 + 12.86 * x</a:t>
-            </a:r>
-            <a:r>
-              <a:rPr lang="en-US" b="1" dirty="0">
+              <a:t> , </a:t>
+            </a:r>
+          </a:p>
+          <a:p>
+            <a:r>
+              <a:rPr lang="en-US" sz="2800" b="1" dirty="0">
                 <a:latin typeface="Calibri"/>
                 <a:cs typeface="Calibri"/>
               </a:rPr>
-              <a:t> , </a:t>
-            </a:r>
-          </a:p>
-          <a:p>
-            <a:r>
-              <a:rPr lang="en-US" b="1" dirty="0">
+              <a:t>where x – Facebook ad spend</a:t>
+            </a:r>
+          </a:p>
+          <a:p>
+            <a:r>
+              <a:rPr lang="en-US" sz="2800" b="1" dirty="0">
                 <a:latin typeface="Calibri"/>
                 <a:cs typeface="Calibri"/>
               </a:rPr>
-              <a:t>where x – Facebook ad spend</a:t>
-            </a:r>
-          </a:p>
-          <a:p>
-            <a:r>
-              <a:rPr lang="en-US" b="1" dirty="0">
-                <a:latin typeface="Calibri"/>
-                <a:cs typeface="Calibri"/>
-              </a:rPr>
-              <a:t>            y – Predicted sales</a:t>
+              <a:t>            y – Numer of Sales</a:t>
             </a:r>
           </a:p>
           <a:p>
@@ -8144,8 +8017,14 @@
             </a:endParaRPr>
           </a:p>
           <a:p>
-            <a:r>
-              <a:rPr lang="en-US" b="1" dirty="0">
+            <a:endParaRPr lang="en-US" b="1" dirty="0">
+              <a:latin typeface="Calibri"/>
+              <a:cs typeface="Calibri"/>
+            </a:endParaRPr>
+          </a:p>
+          <a:p>
+            <a:r>
+              <a:rPr lang="en-US" sz="2400" b="1" dirty="0">
                 <a:latin typeface="Calibri"/>
                 <a:cs typeface="Calibri"/>
               </a:rPr>
@@ -8154,69 +8033,46 @@
           </a:p>
           <a:p>
             <a:r>
-              <a:rPr lang="en-US" b="1" dirty="0">
-                <a:solidFill>
-                  <a:srgbClr val="C00000"/>
-                </a:solidFill>
+              <a:rPr lang="en-US" sz="2400" b="1" dirty="0">
                 <a:latin typeface="Calibri"/>
                 <a:cs typeface="Calibri"/>
               </a:rPr>
-              <a:t>Facebook ad spend </a:t>
-            </a:r>
-            <a:r>
-              <a:rPr lang="en-US" b="1" dirty="0">
+              <a:t>Facebook ad spend is $300, </a:t>
+            </a:r>
+          </a:p>
+          <a:p>
+            <a:r>
+              <a:rPr lang="en-US" sz="2400" b="1" dirty="0">
                 <a:latin typeface="Calibri"/>
                 <a:cs typeface="Calibri"/>
               </a:rPr>
-              <a:t>is $</a:t>
-            </a:r>
-            <a:r>
-              <a:rPr lang="en-US" b="1" dirty="0">
-                <a:solidFill>
-                  <a:srgbClr val="C00000"/>
-                </a:solidFill>
+              <a:t>then y = 1141.28 + 12.86 * 300</a:t>
+            </a:r>
+          </a:p>
+          <a:p>
+            <a:r>
+              <a:rPr lang="en-US" sz="2400" b="1" dirty="0">
                 <a:latin typeface="Calibri"/>
                 <a:cs typeface="Calibri"/>
               </a:rPr>
-              <a:t>300</a:t>
-            </a:r>
-            <a:r>
-              <a:rPr lang="en-US" b="1" dirty="0">
+              <a:t>y = 4999</a:t>
+            </a:r>
+          </a:p>
+          <a:p>
+            <a:endParaRPr lang="en-US" sz="2400" b="1" u="sng" dirty="0">
+              <a:latin typeface="Calibri"/>
+              <a:cs typeface="Calibri"/>
+            </a:endParaRPr>
+          </a:p>
+          <a:p>
+            <a:r>
+              <a:rPr lang="en-US" sz="2400" b="1" u="sng" dirty="0">
                 <a:latin typeface="Calibri"/>
                 <a:cs typeface="Calibri"/>
               </a:rPr>
-              <a:t>, then y = 1141.28 + 12.86 * 300 </a:t>
-            </a:r>
-          </a:p>
-          <a:p>
-            <a:r>
-              <a:rPr lang="en-US" b="1" dirty="0">
-                <a:solidFill>
-                  <a:srgbClr val="C00000"/>
-                </a:solidFill>
-                <a:latin typeface="Calibri"/>
-                <a:cs typeface="Calibri"/>
-              </a:rPr>
-              <a:t>Sales </a:t>
-            </a:r>
-            <a:r>
-              <a:rPr lang="en-US" b="1" dirty="0">
-                <a:latin typeface="Calibri"/>
-                <a:cs typeface="Calibri"/>
-              </a:rPr>
-              <a:t>is </a:t>
-            </a:r>
-            <a:r>
-              <a:rPr lang="en-US" b="1" dirty="0">
-                <a:solidFill>
-                  <a:srgbClr val="C00000"/>
-                </a:solidFill>
-                <a:latin typeface="Calibri"/>
-                <a:cs typeface="Calibri"/>
-              </a:rPr>
-              <a:t>$4,999.28</a:t>
-            </a:r>
-            <a:endParaRPr lang="en-US" dirty="0"/>
+              <a:t>Predicted Sales 4,999</a:t>
+            </a:r>
+            <a:endParaRPr lang="en-US" sz="2400" u="sng" dirty="0"/>
           </a:p>
         </p:txBody>
       </p:sp>
@@ -8302,47 +8158,66 @@
           </a:p>
         </p:txBody>
       </p:sp>
-      <p:sp>
-        <p:nvSpPr>
-          <p:cNvPr id="3" name="Content Placeholder 2">
+      <p:pic>
+        <p:nvPicPr>
+          <p:cNvPr id="5" name="Picture 4">
             <a:extLst>
               <a:ext uri="{FF2B5EF4-FFF2-40B4-BE49-F238E27FC236}">
-                <a16:creationId xmlns:a16="http://schemas.microsoft.com/office/drawing/2014/main" id="{FBC1A516-E7D7-7996-34EC-1EF6D3F179EC}"/>
+                <a16:creationId xmlns:a16="http://schemas.microsoft.com/office/drawing/2014/main" id="{5E5CF40C-D67E-E5A4-0C23-C188227464A3}"/>
               </a:ext>
             </a:extLst>
           </p:cNvPr>
-          <p:cNvSpPr>
-            <a:spLocks noGrp="1"/>
-          </p:cNvSpPr>
-          <p:nvPr>
-            <p:ph idx="1"/>
-          </p:nvPr>
-        </p:nvSpPr>
+          <p:cNvPicPr>
+            <a:picLocks noChangeAspect="1"/>
+          </p:cNvPicPr>
+          <p:nvPr/>
+        </p:nvPicPr>
+        <p:blipFill>
+          <a:blip r:embed="rId3"/>
+          <a:stretch>
+            <a:fillRect/>
+          </a:stretch>
+        </p:blipFill>
         <p:spPr>
           <a:xfrm>
-            <a:off x="640080" y="1656678"/>
-            <a:ext cx="10890928" cy="4542954"/>
+            <a:off x="6407999" y="1350086"/>
+            <a:ext cx="5457825" cy="4210050"/>
           </a:xfrm>
+          <a:prstGeom prst="rect">
+            <a:avLst/>
+          </a:prstGeom>
         </p:spPr>
-        <p:txBody>
-          <a:bodyPr vert="horz" lIns="91440" tIns="45720" rIns="91440" bIns="45720" rtlCol="0" anchor="t">
-            <a:normAutofit/>
-          </a:bodyPr>
-          <a:lstStyle/>
-          <a:p>
-            <a:pPr marL="0" indent="0" algn="l" rtl="0" fontAlgn="base">
-              <a:lnSpc>
-                <a:spcPct val="100000"/>
-              </a:lnSpc>
-              <a:buNone/>
-            </a:pPr>
-            <a:endParaRPr lang="en-US" dirty="0">
-              <a:latin typeface="Arial"/>
-              <a:cs typeface="Arial"/>
-            </a:endParaRPr>
-          </a:p>
-        </p:txBody>
-      </p:sp>
+      </p:pic>
+      <p:pic>
+        <p:nvPicPr>
+          <p:cNvPr id="7" name="Picture 6">
+            <a:extLst>
+              <a:ext uri="{FF2B5EF4-FFF2-40B4-BE49-F238E27FC236}">
+                <a16:creationId xmlns:a16="http://schemas.microsoft.com/office/drawing/2014/main" id="{0A818E82-B002-0996-5F8B-C5EB33109DA7}"/>
+              </a:ext>
+            </a:extLst>
+          </p:cNvPr>
+          <p:cNvPicPr>
+            <a:picLocks noChangeAspect="1"/>
+          </p:cNvPicPr>
+          <p:nvPr/>
+        </p:nvPicPr>
+        <p:blipFill>
+          <a:blip r:embed="rId4"/>
+          <a:stretch>
+            <a:fillRect/>
+          </a:stretch>
+        </p:blipFill>
+        <p:spPr>
+          <a:xfrm>
+            <a:off x="776542" y="1298668"/>
+            <a:ext cx="5505450" cy="4229100"/>
+          </a:xfrm>
+          <a:prstGeom prst="rect">
+            <a:avLst/>
+          </a:prstGeom>
+        </p:spPr>
+      </p:pic>
     </p:spTree>
     <p:extLst>
       <p:ext uri="{BB962C8B-B14F-4D97-AF65-F5344CB8AC3E}">
@@ -9402,6 +9277,15 @@
 </file>
 
 <file path=customXml/item1.xml><?xml version="1.0" encoding="utf-8"?>
+<?mso-contentType ?>
+<FormTemplates xmlns="http://schemas.microsoft.com/sharepoint/v3/contenttype/forms">
+  <Display>DocumentLibraryForm</Display>
+  <Edit>DocumentLibraryForm</Edit>
+  <New>DocumentLibraryForm</New>
+</FormTemplates>
+</file>
+
+<file path=customXml/item2.xml><?xml version="1.0" encoding="utf-8"?>
 <p:properties xmlns:p="http://schemas.microsoft.com/office/2006/metadata/properties" xmlns:xsi="http://www.w3.org/2001/XMLSchema-instance" xmlns:pc="http://schemas.microsoft.com/office/infopath/2007/PartnerControls">
   <documentManagement>
     <lcf76f155ced4ddcb4097134ff3c332f xmlns="cb71b97d-9a65-4f5a-80e4-73af0d9029ad">
@@ -9413,15 +9297,6 @@
     <Year xmlns="cb71b97d-9a65-4f5a-80e4-73af0d9029ad" xsi:nil="true"/>
   </documentManagement>
 </p:properties>
-</file>
-
-<file path=customXml/item2.xml><?xml version="1.0" encoding="utf-8"?>
-<?mso-contentType ?>
-<FormTemplates xmlns="http://schemas.microsoft.com/sharepoint/v3/contenttype/forms">
-  <Display>DocumentLibraryForm</Display>
-  <Edit>DocumentLibraryForm</Edit>
-  <New>DocumentLibraryForm</New>
-</FormTemplates>
 </file>
 
 <file path=customXml/item3.xml><?xml version="1.0" encoding="utf-8"?>
@@ -9689,6 +9564,14 @@
 </file>
 
 <file path=customXml/itemProps1.xml><?xml version="1.0" encoding="utf-8"?>
+<ds:datastoreItem xmlns:ds="http://schemas.openxmlformats.org/officeDocument/2006/customXml" ds:itemID="{2F184BDE-BCF0-4A4C-AF39-985C7EC788E7}">
+  <ds:schemaRefs>
+    <ds:schemaRef ds:uri="http://schemas.microsoft.com/sharepoint/v3/contenttype/forms"/>
+  </ds:schemaRefs>
+</ds:datastoreItem>
+</file>
+
+<file path=customXml/itemProps2.xml><?xml version="1.0" encoding="utf-8"?>
 <ds:datastoreItem xmlns:ds="http://schemas.openxmlformats.org/officeDocument/2006/customXml" ds:itemID="{E08E5A13-F6C9-49DB-8950-2EE5509C8A8B}">
   <ds:schemaRefs>
     <ds:schemaRef ds:uri="http://www.w3.org/XML/1998/namespace"/>
@@ -9701,14 +9584,6 @@
     <ds:schemaRef ds:uri="http://purl.org/dc/terms/"/>
     <ds:schemaRef ds:uri="c7bf0040-ac83-4da7-b072-3c1b65a214b3"/>
     <ds:schemaRef ds:uri="cb71b97d-9a65-4f5a-80e4-73af0d9029ad"/>
-  </ds:schemaRefs>
-</ds:datastoreItem>
-</file>
-
-<file path=customXml/itemProps2.xml><?xml version="1.0" encoding="utf-8"?>
-<ds:datastoreItem xmlns:ds="http://schemas.openxmlformats.org/officeDocument/2006/customXml" ds:itemID="{2F184BDE-BCF0-4A4C-AF39-985C7EC788E7}">
-  <ds:schemaRefs>
-    <ds:schemaRef ds:uri="http://schemas.microsoft.com/sharepoint/v3/contenttype/forms"/>
   </ds:schemaRefs>
 </ds:datastoreItem>
 </file>

--- a/TechGear/TechGearStudentTemplate.pptx
+++ b/TechGear/TechGearStudentTemplate.pptx
@@ -215,7 +215,7 @@
           <a:p>
             <a:fld id="{12F0ACAD-2FDF-44D8-85A2-BF2803DE170C}" type="datetimeFigureOut">
               <a:rPr lang="en-US" smtClean="0"/>
-              <a:t>11/10/2025</a:t>
+              <a:t>11/12/2025</a:t>
             </a:fld>
             <a:endParaRPr lang="en-US"/>
           </a:p>
@@ -1385,43 +1385,12 @@
           <a:bodyPr/>
           <a:lstStyle/>
           <a:p>
-            <a:pPr marL="0" indent="0" algn="l" rtl="0" fontAlgn="base">
-              <a:lnSpc>
-                <a:spcPct val="100000"/>
-              </a:lnSpc>
-              <a:buNone/>
-            </a:pPr>
-            <a:r>
-              <a:rPr lang="en-US" b="1" i="0" dirty="0">
-                <a:solidFill>
-                  <a:srgbClr val="000000"/>
-                </a:solidFill>
-                <a:effectLst/>
-                <a:latin typeface="Arial"/>
-                <a:cs typeface="Arial"/>
-              </a:rPr>
-              <a:t>Analysis Task:</a:t>
-            </a:r>
-            <a:r>
-              <a:rPr lang="en-US" b="0" i="0" dirty="0">
-                <a:solidFill>
-                  <a:srgbClr val="000000"/>
-                </a:solidFill>
-                <a:effectLst/>
-                <a:latin typeface="Arial"/>
-                <a:cs typeface="Arial"/>
-              </a:rPr>
-              <a:t> </a:t>
-            </a:r>
-            <a:endParaRPr lang="en-US" dirty="0"/>
-          </a:p>
-          <a:p>
             <a:pPr algn="l" rtl="0" fontAlgn="base">
               <a:lnSpc>
                 <a:spcPct val="100000"/>
               </a:lnSpc>
               <a:buFont typeface="Arial" panose="020B0604020202020204" pitchFamily="34" charset="0"/>
-              <a:buChar char="•"/>
+              <a:buNone/>
             </a:pPr>
             <a:r>
               <a:rPr lang="en-US" b="0" i="0" dirty="0">
@@ -1432,7 +1401,7 @@
                 <a:latin typeface="Arial"/>
                 <a:cs typeface="Arial"/>
               </a:rPr>
-              <a:t>Assess the fit of your simple linear regression model by analyzing the residuals. </a:t>
+              <a:t>Next, we will evaluate performance of the simple linear regression by analyzing residuals. On the slide we can see two plots. The plot on the left (Residuals vs Fitted Values) shows residuals from a linear relationship. The residuals are randomly scattered around the horizontal axis (zero lane), indicating that the simple linear regression model from the previous step is a good fit for the data. It also shows that the residuals have a consistent spread, which indicates that the model’s residuals are evenly distributed.</a:t>
             </a:r>
           </a:p>
           <a:p>
@@ -1441,29 +1410,10 @@
                 <a:spcPct val="100000"/>
               </a:lnSpc>
               <a:buFont typeface="Arial" panose="020B0604020202020204" pitchFamily="34" charset="0"/>
-              <a:buChar char="•"/>
-            </a:pPr>
-            <a:r>
-              <a:rPr lang="en-US" b="0" i="0" dirty="0">
-                <a:solidFill>
-                  <a:srgbClr val="000000"/>
-                </a:solidFill>
-                <a:effectLst/>
-                <a:latin typeface="Arial"/>
-                <a:cs typeface="Arial"/>
-              </a:rPr>
-              <a:t>Create a residuals vs. fitted values plot and a Q-Q plot. </a:t>
-            </a:r>
-          </a:p>
-          <a:p>
-            <a:pPr marL="0" indent="0" algn="l" rtl="0" fontAlgn="base">
-              <a:lnSpc>
-                <a:spcPct val="100000"/>
-              </a:lnSpc>
               <a:buNone/>
             </a:pPr>
             <a:r>
-              <a:rPr lang="en-US" b="1" i="0" dirty="0">
+              <a:rPr lang="en-US" b="0" i="0" dirty="0">
                 <a:solidFill>
                   <a:srgbClr val="000000"/>
                 </a:solidFill>
@@ -1471,102 +1421,19 @@
                 <a:latin typeface="Arial"/>
                 <a:cs typeface="Arial"/>
               </a:rPr>
-              <a:t>Slide Content:</a:t>
-            </a:r>
-            <a:r>
-              <a:rPr lang="en-US" b="0" i="0" dirty="0">
-                <a:solidFill>
-                  <a:srgbClr val="000000"/>
+              <a:t>The plot on the right, Q-Q Plot of Residuals, help us to indicate if the model’s residuals are normally distributed. In practice, minor deviations are often acceptable, especially in large datasets. As we can see from the plot, we do not have significant deviations from the line. A few points near -1.5 a little bit far from the line might indicate outliers, which can affect normality, but overall pattern shows the residuals are likely normally distributed and small deviations are usually acceptable. T</a:t>
+            </a:r>
+            <a:r>
+              <a:rPr lang="en-US" sz="1200" b="0" i="0" kern="1200" dirty="0">
+                <a:solidFill>
+                  <a:schemeClr val="tx1"/>
                 </a:solidFill>
                 <a:effectLst/>
-                <a:latin typeface="Arial"/>
-                <a:cs typeface="Arial"/>
-              </a:rPr>
-              <a:t> </a:t>
-            </a:r>
-            <a:endParaRPr lang="en-US" dirty="0">
-              <a:solidFill>
-                <a:srgbClr val="000000"/>
-              </a:solidFill>
-              <a:latin typeface="Arial"/>
-              <a:cs typeface="Arial"/>
-            </a:endParaRPr>
-          </a:p>
-          <a:p>
-            <a:pPr algn="l" rtl="0" fontAlgn="base">
-              <a:lnSpc>
-                <a:spcPct val="100000"/>
-              </a:lnSpc>
-              <a:buFont typeface="Arial" panose="020B0604020202020204" pitchFamily="34" charset="0"/>
-              <a:buChar char="•"/>
-            </a:pPr>
-            <a:r>
-              <a:rPr lang="en-US" b="0" i="0" dirty="0">
-                <a:solidFill>
-                  <a:srgbClr val="000000"/>
-                </a:solidFill>
-                <a:effectLst/>
-                <a:latin typeface="Arial"/>
-                <a:cs typeface="Arial"/>
-              </a:rPr>
-              <a:t>Residuals plots and summary of their implications for model reliability. </a:t>
-            </a:r>
-          </a:p>
-          <a:p>
-            <a:pPr marL="0" indent="0" algn="l" rtl="0" fontAlgn="base">
-              <a:lnSpc>
-                <a:spcPct val="100000"/>
-              </a:lnSpc>
-              <a:buNone/>
-            </a:pPr>
-            <a:r>
-              <a:rPr lang="en-US" b="1" i="0" dirty="0">
-                <a:solidFill>
-                  <a:srgbClr val="000000"/>
-                </a:solidFill>
-                <a:effectLst/>
-                <a:latin typeface="Arial"/>
-                <a:cs typeface="Arial"/>
-              </a:rPr>
-              <a:t>Speaker Notes:</a:t>
-            </a:r>
-            <a:r>
-              <a:rPr lang="en-US" b="0" i="0" dirty="0">
-                <a:solidFill>
-                  <a:srgbClr val="000000"/>
-                </a:solidFill>
-                <a:effectLst/>
-                <a:latin typeface="Arial"/>
-                <a:cs typeface="Arial"/>
-              </a:rPr>
-              <a:t> </a:t>
-            </a:r>
-            <a:endParaRPr lang="en-US" dirty="0">
-              <a:solidFill>
-                <a:srgbClr val="000000"/>
-              </a:solidFill>
-              <a:latin typeface="Arial"/>
-              <a:cs typeface="Arial"/>
-            </a:endParaRPr>
-          </a:p>
-          <a:p>
-            <a:pPr algn="l" rtl="0" fontAlgn="base">
-              <a:lnSpc>
-                <a:spcPct val="100000"/>
-              </a:lnSpc>
-              <a:buFont typeface="Arial" panose="020B0604020202020204" pitchFamily="34" charset="0"/>
-              <a:buChar char="•"/>
-            </a:pPr>
-            <a:r>
-              <a:rPr lang="en-US" b="0" i="0" dirty="0">
-                <a:solidFill>
-                  <a:srgbClr val="000000"/>
-                </a:solidFill>
-                <a:effectLst/>
-                <a:latin typeface="Arial"/>
-                <a:cs typeface="Arial"/>
-              </a:rPr>
-              <a:t>Explain what the plots reveal about the accuracy and reliability of the model. </a:t>
+                <a:latin typeface="+mn-lt"/>
+                <a:ea typeface="+mn-ea"/>
+                <a:cs typeface="+mn-cs"/>
+              </a:rPr>
+              <a:t>his is suggests that the assumption of normality for the residuals in the regression model is reasonably met, supporting the reliability of the model's predictions.</a:t>
             </a:r>
             <a:endParaRPr lang="en-US" dirty="0"/>
           </a:p>
@@ -3412,7 +3279,7 @@
           <a:p>
             <a:fld id="{6444479B-705B-4489-957E-7E8A228BDFA0}" type="datetime1">
               <a:rPr lang="en-US" smtClean="0"/>
-              <a:t>11/10/2025</a:t>
+              <a:t>11/12/2025</a:t>
             </a:fld>
             <a:endParaRPr lang="en-US"/>
           </a:p>
@@ -3612,7 +3479,7 @@
           <a:p>
             <a:fld id="{C07B66AD-7C08-490A-ADA4-B47E10FB2407}" type="datetime1">
               <a:rPr lang="en-US" smtClean="0"/>
-              <a:t>11/10/2025</a:t>
+              <a:t>11/12/2025</a:t>
             </a:fld>
             <a:endParaRPr lang="en-US"/>
           </a:p>
@@ -3871,7 +3738,7 @@
           <a:p>
             <a:fld id="{05B95027-4255-49E7-9841-CD21BCC99996}" type="datetime1">
               <a:rPr lang="en-US" smtClean="0"/>
-              <a:t>11/10/2025</a:t>
+              <a:t>11/12/2025</a:t>
             </a:fld>
             <a:endParaRPr lang="en-US"/>
           </a:p>
@@ -4112,7 +3979,7 @@
           <a:p>
             <a:fld id="{9F89F774-3FA6-43B8-9241-99959C8FD463}" type="datetime1">
               <a:rPr lang="en-US" smtClean="0"/>
-              <a:t>11/10/2025</a:t>
+              <a:t>11/12/2025</a:t>
             </a:fld>
             <a:endParaRPr lang="en-US"/>
           </a:p>
@@ -4439,7 +4306,7 @@
           <a:p>
             <a:fld id="{F9504452-5DCC-4FE2-A5C9-8A5EF6714D65}" type="datetime1">
               <a:rPr lang="en-US" smtClean="0"/>
-              <a:t>11/10/2025</a:t>
+              <a:t>11/12/2025</a:t>
             </a:fld>
             <a:endParaRPr lang="en-US"/>
           </a:p>
@@ -4749,7 +4616,7 @@
           <a:p>
             <a:fld id="{E579ABC2-0180-4F3A-A895-A85BC724D472}" type="datetime1">
               <a:rPr lang="en-US" smtClean="0"/>
-              <a:t>11/10/2025</a:t>
+              <a:t>11/12/2025</a:t>
             </a:fld>
             <a:endParaRPr lang="en-US"/>
           </a:p>
@@ -5167,7 +5034,7 @@
           <a:p>
             <a:fld id="{6AEEA9BA-4E8F-439E-BEA4-91FBA01E3F5F}" type="datetime1">
               <a:rPr lang="en-US" smtClean="0"/>
-              <a:t>11/10/2025</a:t>
+              <a:t>11/12/2025</a:t>
             </a:fld>
             <a:endParaRPr lang="en-US"/>
           </a:p>
@@ -5309,7 +5176,7 @@
           <a:p>
             <a:fld id="{BE15BF18-0007-481C-AA29-413124BC3EE7}" type="datetime1">
               <a:rPr lang="en-US" smtClean="0"/>
-              <a:t>11/10/2025</a:t>
+              <a:t>11/12/2025</a:t>
             </a:fld>
             <a:endParaRPr lang="en-US"/>
           </a:p>
@@ -5471,7 +5338,7 @@
           <a:p>
             <a:fld id="{09BE9870-3748-43AD-B547-02A075CB4A1D}" type="datetime1">
               <a:rPr lang="en-US" smtClean="0"/>
-              <a:t>11/10/2025</a:t>
+              <a:t>11/12/2025</a:t>
             </a:fld>
             <a:endParaRPr lang="en-US"/>
           </a:p>
@@ -5788,7 +5655,7 @@
           <a:p>
             <a:fld id="{558E7897-33C5-4F1A-9307-D068E37F3DC7}" type="datetime1">
               <a:rPr lang="en-US" smtClean="0"/>
-              <a:t>11/10/2025</a:t>
+              <a:t>11/12/2025</a:t>
             </a:fld>
             <a:endParaRPr lang="en-US"/>
           </a:p>
@@ -6083,7 +5950,7 @@
           <a:p>
             <a:fld id="{82E171BA-CC09-47C8-A6DF-F5C5CB59CEEC}" type="datetime1">
               <a:rPr lang="en-US" smtClean="0"/>
-              <a:t>11/10/2025</a:t>
+              <a:t>11/12/2025</a:t>
             </a:fld>
             <a:endParaRPr lang="en-US"/>
           </a:p>
@@ -6324,7 +6191,7 @@
           <a:p>
             <a:fld id="{7DA38F49-B3E2-4BF0-BEC7-C30D34ABBB8D}" type="datetime1">
               <a:rPr lang="en-US" smtClean="0"/>
-              <a:t>11/10/2025</a:t>
+              <a:t>11/12/2025</a:t>
             </a:fld>
             <a:endParaRPr lang="en-US"/>
           </a:p>
@@ -8149,9 +8016,9 @@
                 <a:latin typeface="Arial"/>
                 <a:cs typeface="Arial"/>
               </a:rPr>
-              <a:t>Assessing Model Fit (Question 4) </a:t>
-            </a:r>
-            <a:endParaRPr lang="en-US" sz="4200">
+              <a:t>Assessing Model Fit </a:t>
+            </a:r>
+            <a:endParaRPr lang="en-US" sz="4200" dirty="0">
               <a:latin typeface="Arial"/>
               <a:cs typeface="Arial"/>
             </a:endParaRPr>
@@ -8190,10 +8057,10 @@
       </p:pic>
       <p:pic>
         <p:nvPicPr>
-          <p:cNvPr id="7" name="Picture 6">
-            <a:extLst>
-              <a:ext uri="{FF2B5EF4-FFF2-40B4-BE49-F238E27FC236}">
-                <a16:creationId xmlns:a16="http://schemas.microsoft.com/office/drawing/2014/main" id="{0A818E82-B002-0996-5F8B-C5EB33109DA7}"/>
+          <p:cNvPr id="4" name="Picture 3">
+            <a:extLst>
+              <a:ext uri="{FF2B5EF4-FFF2-40B4-BE49-F238E27FC236}">
+                <a16:creationId xmlns:a16="http://schemas.microsoft.com/office/drawing/2014/main" id="{7A6F38F4-4A12-EDB4-65C9-9F345E526990}"/>
               </a:ext>
             </a:extLst>
           </p:cNvPr>
@@ -8210,8 +8077,8 @@
         </p:blipFill>
         <p:spPr>
           <a:xfrm>
-            <a:off x="776542" y="1298668"/>
-            <a:ext cx="5505450" cy="4229100"/>
+            <a:off x="650535" y="1314450"/>
+            <a:ext cx="5534025" cy="4229100"/>
           </a:xfrm>
           <a:prstGeom prst="rect">
             <a:avLst/>
@@ -9277,15 +9144,6 @@
 </file>
 
 <file path=customXml/item1.xml><?xml version="1.0" encoding="utf-8"?>
-<?mso-contentType ?>
-<FormTemplates xmlns="http://schemas.microsoft.com/sharepoint/v3/contenttype/forms">
-  <Display>DocumentLibraryForm</Display>
-  <Edit>DocumentLibraryForm</Edit>
-  <New>DocumentLibraryForm</New>
-</FormTemplates>
-</file>
-
-<file path=customXml/item2.xml><?xml version="1.0" encoding="utf-8"?>
 <p:properties xmlns:p="http://schemas.microsoft.com/office/2006/metadata/properties" xmlns:xsi="http://www.w3.org/2001/XMLSchema-instance" xmlns:pc="http://schemas.microsoft.com/office/infopath/2007/PartnerControls">
   <documentManagement>
     <lcf76f155ced4ddcb4097134ff3c332f xmlns="cb71b97d-9a65-4f5a-80e4-73af0d9029ad">
@@ -9297,6 +9155,15 @@
     <Year xmlns="cb71b97d-9a65-4f5a-80e4-73af0d9029ad" xsi:nil="true"/>
   </documentManagement>
 </p:properties>
+</file>
+
+<file path=customXml/item2.xml><?xml version="1.0" encoding="utf-8"?>
+<?mso-contentType ?>
+<FormTemplates xmlns="http://schemas.microsoft.com/sharepoint/v3/contenttype/forms">
+  <Display>DocumentLibraryForm</Display>
+  <Edit>DocumentLibraryForm</Edit>
+  <New>DocumentLibraryForm</New>
+</FormTemplates>
 </file>
 
 <file path=customXml/item3.xml><?xml version="1.0" encoding="utf-8"?>
@@ -9564,14 +9431,6 @@
 </file>
 
 <file path=customXml/itemProps1.xml><?xml version="1.0" encoding="utf-8"?>
-<ds:datastoreItem xmlns:ds="http://schemas.openxmlformats.org/officeDocument/2006/customXml" ds:itemID="{2F184BDE-BCF0-4A4C-AF39-985C7EC788E7}">
-  <ds:schemaRefs>
-    <ds:schemaRef ds:uri="http://schemas.microsoft.com/sharepoint/v3/contenttype/forms"/>
-  </ds:schemaRefs>
-</ds:datastoreItem>
-</file>
-
-<file path=customXml/itemProps2.xml><?xml version="1.0" encoding="utf-8"?>
 <ds:datastoreItem xmlns:ds="http://schemas.openxmlformats.org/officeDocument/2006/customXml" ds:itemID="{E08E5A13-F6C9-49DB-8950-2EE5509C8A8B}">
   <ds:schemaRefs>
     <ds:schemaRef ds:uri="http://www.w3.org/XML/1998/namespace"/>
@@ -9584,6 +9443,14 @@
     <ds:schemaRef ds:uri="http://purl.org/dc/terms/"/>
     <ds:schemaRef ds:uri="c7bf0040-ac83-4da7-b072-3c1b65a214b3"/>
     <ds:schemaRef ds:uri="cb71b97d-9a65-4f5a-80e4-73af0d9029ad"/>
+  </ds:schemaRefs>
+</ds:datastoreItem>
+</file>
+
+<file path=customXml/itemProps2.xml><?xml version="1.0" encoding="utf-8"?>
+<ds:datastoreItem xmlns:ds="http://schemas.openxmlformats.org/officeDocument/2006/customXml" ds:itemID="{2F184BDE-BCF0-4A4C-AF39-985C7EC788E7}">
+  <ds:schemaRefs>
+    <ds:schemaRef ds:uri="http://schemas.microsoft.com/sharepoint/v3/contenttype/forms"/>
   </ds:schemaRefs>
 </ds:datastoreItem>
 </file>
